--- a/docs/Đồ Án.pptx
+++ b/docs/Đồ Án.pptx
@@ -34,16 +34,19 @@
   <p:notesSz cx="6858000" cy="9144000"/>
   <p:embeddedFontLst>
     <p:embeddedFont>
-      <p:font typeface="Lato Light" panose="020B0604020202020204" charset="0"/>
+      <p:font typeface="Wingdings 3" panose="05040102010807070707" pitchFamily="18" charset="2"/>
       <p:regular r:id="rId24"/>
-      <p:bold r:id="rId25"/>
-      <p:italic r:id="rId26"/>
-      <p:boldItalic r:id="rId27"/>
     </p:embeddedFont>
     <p:embeddedFont>
-      <p:font typeface="Amatic SC" panose="020B0604020202020204" charset="-79"/>
-      <p:regular r:id="rId28"/>
-      <p:bold r:id="rId29"/>
+      <p:font typeface="Constantia" panose="02030602050306030303" pitchFamily="18" charset="0"/>
+      <p:regular r:id="rId25"/>
+      <p:bold r:id="rId26"/>
+      <p:italic r:id="rId27"/>
+      <p:boldItalic r:id="rId28"/>
+    </p:embeddedFont>
+    <p:embeddedFont>
+      <p:font typeface="Viner Hand ITC" panose="03070502030502020203" pitchFamily="66" charset="0"/>
+      <p:regular r:id="rId29"/>
     </p:embeddedFont>
     <p:embeddedFont>
       <p:font typeface="Roboto Slab Light" panose="020B0604020202020204" charset="0"/>
@@ -51,19 +54,16 @@
       <p:bold r:id="rId31"/>
     </p:embeddedFont>
     <p:embeddedFont>
-      <p:font typeface="Wingdings 3" panose="05040102010807070707" pitchFamily="18" charset="2"/>
+      <p:font typeface="Amatic SC" panose="020B0604020202020204" charset="-79"/>
       <p:regular r:id="rId32"/>
+      <p:bold r:id="rId33"/>
     </p:embeddedFont>
     <p:embeddedFont>
-      <p:font typeface="Constantia" panose="02030602050306030303" pitchFamily="18" charset="0"/>
-      <p:regular r:id="rId33"/>
-      <p:bold r:id="rId34"/>
-      <p:italic r:id="rId35"/>
-      <p:boldItalic r:id="rId36"/>
-    </p:embeddedFont>
-    <p:embeddedFont>
-      <p:font typeface="Viner Hand ITC" panose="03070502030502020203" pitchFamily="66" charset="0"/>
-      <p:regular r:id="rId37"/>
+      <p:font typeface="Lato Light" panose="020B0604020202020204" charset="0"/>
+      <p:regular r:id="rId34"/>
+      <p:bold r:id="rId35"/>
+      <p:italic r:id="rId36"/>
+      <p:boldItalic r:id="rId37"/>
     </p:embeddedFont>
   </p:embeddedFontLst>
   <p:defaultTextStyle>
@@ -24208,6 +24208,18 @@
   <p:clrMapOvr>
     <a:masterClrMapping/>
   </p:clrMapOvr>
+  <mc:AlternateContent xmlns:mc="http://schemas.openxmlformats.org/markup-compatibility/2006" xmlns:p15="http://schemas.microsoft.com/office/powerpoint/2012/main">
+    <mc:Choice Requires="p15">
+      <p:transition xmlns:p14="http://schemas.microsoft.com/office/powerpoint/2010/main" spd="slow" p14:dur="6000">
+        <p15:prstTrans prst="curtains"/>
+      </p:transition>
+    </mc:Choice>
+    <mc:Fallback xmlns="">
+      <p:transition spd="slow">
+        <p:fade/>
+      </p:transition>
+    </mc:Fallback>
+  </mc:AlternateContent>
 </p:sld>
 </file>
 
@@ -24330,6 +24342,18 @@
   <p:clrMapOvr>
     <a:masterClrMapping/>
   </p:clrMapOvr>
+  <mc:AlternateContent xmlns:mc="http://schemas.openxmlformats.org/markup-compatibility/2006" xmlns:p14="http://schemas.microsoft.com/office/powerpoint/2010/main">
+    <mc:Choice Requires="p14">
+      <p:transition spd="slow" p14:dur="1600">
+        <p14:prism isContent="1" isInverted="1"/>
+      </p:transition>
+    </mc:Choice>
+    <mc:Fallback xmlns="">
+      <p:transition spd="slow">
+        <p:fade/>
+      </p:transition>
+    </mc:Fallback>
+  </mc:AlternateContent>
 </p:sld>
 </file>
 
@@ -24682,6 +24706,18 @@
   <p:clrMapOvr>
     <a:masterClrMapping/>
   </p:clrMapOvr>
+  <mc:AlternateContent xmlns:mc="http://schemas.openxmlformats.org/markup-compatibility/2006" xmlns:p14="http://schemas.microsoft.com/office/powerpoint/2010/main">
+    <mc:Choice Requires="p14">
+      <p:transition spd="slow" p14:dur="1600">
+        <p:blinds dir="vert"/>
+      </p:transition>
+    </mc:Choice>
+    <mc:Fallback xmlns="">
+      <p:transition spd="slow">
+        <p:blinds dir="vert"/>
+      </p:transition>
+    </mc:Fallback>
+  </mc:AlternateContent>
 </p:sld>
 </file>
 
@@ -25020,6 +25056,18 @@
   <p:clrMapOvr>
     <a:masterClrMapping/>
   </p:clrMapOvr>
+  <mc:AlternateContent xmlns:mc="http://schemas.openxmlformats.org/markup-compatibility/2006" xmlns:p14="http://schemas.microsoft.com/office/powerpoint/2010/main">
+    <mc:Choice Requires="p14">
+      <p:transition spd="slow" p14:dur="1400">
+        <p14:doors dir="vert"/>
+      </p:transition>
+    </mc:Choice>
+    <mc:Fallback xmlns="">
+      <p:transition spd="slow">
+        <p:fade/>
+      </p:transition>
+    </mc:Fallback>
+  </mc:AlternateContent>
 </p:sld>
 </file>
 
@@ -25807,66 +25855,6 @@
           </a:p>
         </p:txBody>
       </p:sp>
-      <p:pic>
-        <p:nvPicPr>
-          <p:cNvPr id="392" name="Shape 392"/>
-          <p:cNvPicPr preferRelativeResize="0"/>
-          <p:nvPr/>
-        </p:nvPicPr>
-        <p:blipFill>
-          <a:blip r:embed="rId3">
-            <a:extLst>
-              <a:ext uri="{28A0092B-C50C-407E-A947-70E740481C1C}">
-                <a14:useLocalDpi xmlns:a14="http://schemas.microsoft.com/office/drawing/2010/main" val="0"/>
-              </a:ext>
-            </a:extLst>
-          </a:blip>
-          <a:stretch>
-            <a:fillRect/>
-          </a:stretch>
-        </p:blipFill>
-        <p:spPr>
-          <a:xfrm>
-            <a:off x="6414789" y="2016760"/>
-            <a:ext cx="2071500" cy="2071500"/>
-          </a:xfrm>
-          <a:prstGeom prst="ellipse">
-            <a:avLst/>
-          </a:prstGeom>
-          <a:noFill/>
-          <a:ln>
-            <a:noFill/>
-          </a:ln>
-        </p:spPr>
-      </p:pic>
-      <p:pic>
-        <p:nvPicPr>
-          <p:cNvPr id="5" name="Shape 392" descr="photo-1434030216411-0b793f4b4173.jpg"/>
-          <p:cNvPicPr preferRelativeResize="0"/>
-          <p:nvPr/>
-        </p:nvPicPr>
-        <p:blipFill>
-          <a:blip r:embed="rId4">
-            <a:alphaModFix/>
-          </a:blip>
-          <a:stretch>
-            <a:fillRect/>
-          </a:stretch>
-        </p:blipFill>
-        <p:spPr>
-          <a:xfrm>
-            <a:off x="5046847" y="732844"/>
-            <a:ext cx="2071500" cy="2071500"/>
-          </a:xfrm>
-          <a:prstGeom prst="ellipse">
-            <a:avLst/>
-          </a:prstGeom>
-          <a:noFill/>
-          <a:ln>
-            <a:noFill/>
-          </a:ln>
-        </p:spPr>
-      </p:pic>
       <p:sp>
         <p:nvSpPr>
           <p:cNvPr id="6" name="Shape 391"/>
@@ -26420,6 +26408,18 @@
   <p:clrMapOvr>
     <a:masterClrMapping/>
   </p:clrMapOvr>
+  <mc:AlternateContent xmlns:mc="http://schemas.openxmlformats.org/markup-compatibility/2006" xmlns:p15="http://schemas.microsoft.com/office/powerpoint/2012/main">
+    <mc:Choice Requires="p15">
+      <p:transition xmlns:p14="http://schemas.microsoft.com/office/powerpoint/2010/main" spd="slow" p14:dur="2000">
+        <p15:prstTrans prst="wind"/>
+      </p:transition>
+    </mc:Choice>
+    <mc:Fallback xmlns="">
+      <p:transition spd="slow">
+        <p:fade/>
+      </p:transition>
+    </mc:Fallback>
+  </mc:AlternateContent>
 </p:sld>
 </file>
 
@@ -26491,6 +26491,18 @@
   <p:clrMapOvr>
     <a:masterClrMapping/>
   </p:clrMapOvr>
+  <mc:AlternateContent xmlns:mc="http://schemas.openxmlformats.org/markup-compatibility/2006" xmlns:p14="http://schemas.microsoft.com/office/powerpoint/2010/main">
+    <mc:Choice Requires="p14">
+      <p:transition spd="slow" p14:dur="1600">
+        <p14:gallery dir="l"/>
+      </p:transition>
+    </mc:Choice>
+    <mc:Fallback xmlns="">
+      <p:transition spd="slow">
+        <p:fade/>
+      </p:transition>
+    </mc:Fallback>
+  </mc:AlternateContent>
 </p:sld>
 </file>
 
@@ -26623,6 +26635,18 @@
   <p:clrMapOvr>
     <a:masterClrMapping/>
   </p:clrMapOvr>
+  <mc:AlternateContent xmlns:mc="http://schemas.openxmlformats.org/markup-compatibility/2006" xmlns:p14="http://schemas.microsoft.com/office/powerpoint/2010/main">
+    <mc:Choice Requires="p14">
+      <p:transition spd="slow" p14:dur="1600">
+        <p14:conveyor dir="l"/>
+      </p:transition>
+    </mc:Choice>
+    <mc:Fallback xmlns="">
+      <p:transition spd="slow">
+        <p:fade/>
+      </p:transition>
+    </mc:Fallback>
+  </mc:AlternateContent>
 </p:sld>
 </file>
 
@@ -26932,6 +26956,18 @@
   <p:clrMapOvr>
     <a:masterClrMapping/>
   </p:clrMapOvr>
+  <mc:AlternateContent xmlns:mc="http://schemas.openxmlformats.org/markup-compatibility/2006" xmlns:p15="http://schemas.microsoft.com/office/powerpoint/2012/main">
+    <mc:Choice Requires="p15">
+      <p:transition xmlns:p14="http://schemas.microsoft.com/office/powerpoint/2010/main" spd="slow" p14:dur="2000">
+        <p15:prstTrans prst="fallOver"/>
+      </p:transition>
+    </mc:Choice>
+    <mc:Fallback xmlns="">
+      <p:transition spd="slow">
+        <p:fade/>
+      </p:transition>
+    </mc:Fallback>
+  </mc:AlternateContent>
 </p:sld>
 </file>
 
@@ -27049,6 +27085,18 @@
   <p:clrMapOvr>
     <a:masterClrMapping/>
   </p:clrMapOvr>
+  <mc:AlternateContent xmlns:mc="http://schemas.openxmlformats.org/markup-compatibility/2006" xmlns:p159="http://schemas.microsoft.com/office/powerpoint/2015/09/main">
+    <mc:Choice Requires="p159">
+      <p:transition xmlns:p14="http://schemas.microsoft.com/office/powerpoint/2010/main" spd="slow" p14:dur="2000">
+        <p159:morph option="byObject"/>
+      </p:transition>
+    </mc:Choice>
+    <mc:Fallback xmlns="">
+      <p:transition spd="slow">
+        <p:fade/>
+      </p:transition>
+    </mc:Fallback>
+  </mc:AlternateContent>
 </p:sld>
 </file>
 
@@ -27845,7 +27893,7 @@
         </p:blipFill>
         <p:spPr>
           <a:xfrm>
-            <a:off x="3058518" y="1200223"/>
+            <a:off x="3055664" y="1209083"/>
             <a:ext cx="4229983" cy="2911735"/>
           </a:xfrm>
           <a:prstGeom prst="rect">
@@ -27884,104 +27932,480 @@
                             </p:stCondLst>
                             <p:childTnLst>
                               <p:par>
-                                <p:cTn id="5" presetID="1" presetClass="emph" presetSubtype="2" fill="hold" nodeType="clickEffect">
+                                <p:cTn id="5" presetID="10" presetClass="entr" presetSubtype="0" fill="hold" grpId="0" nodeType="clickEffect">
                                   <p:stCondLst>
                                     <p:cond delay="0"/>
                                   </p:stCondLst>
                                   <p:childTnLst>
-                                    <p:animClr clrSpc="rgb" dir="cw">
+                                    <p:set>
                                       <p:cBhvr>
-                                        <p:cTn id="6" dur="2000" fill="hold"/>
+                                        <p:cTn id="6" dur="1" fill="hold">
+                                          <p:stCondLst>
+                                            <p:cond delay="0"/>
+                                          </p:stCondLst>
+                                        </p:cTn>
                                         <p:tgtEl>
                                           <p:spTgt spid="9"/>
                                         </p:tgtEl>
                                         <p:attrNameLst>
-                                          <p:attrName>fillcolor</p:attrName>
+                                          <p:attrName>style.visibility</p:attrName>
                                         </p:attrNameLst>
                                       </p:cBhvr>
                                       <p:to>
-                                        <a:srgbClr val="1CD89E"/>
+                                        <p:strVal val="visible"/>
                                       </p:to>
-                                    </p:animClr>
-                                    <p:set>
+                                    </p:set>
+                                    <p:animEffect transition="in" filter="fade">
                                       <p:cBhvr>
-                                        <p:cTn id="7" dur="2000" fill="hold"/>
+                                        <p:cTn id="7" dur="500"/>
                                         <p:tgtEl>
                                           <p:spTgt spid="9"/>
                                         </p:tgtEl>
+                                      </p:cBhvr>
+                                    </p:animEffect>
+                                  </p:childTnLst>
+                                </p:cTn>
+                              </p:par>
+                              <p:par>
+                                <p:cTn id="8" presetID="10" presetClass="entr" presetSubtype="0" fill="hold" nodeType="withEffect">
+                                  <p:stCondLst>
+                                    <p:cond delay="0"/>
+                                  </p:stCondLst>
+                                  <p:childTnLst>
+                                    <p:set>
+                                      <p:cBhvr>
+                                        <p:cTn id="9" dur="1" fill="hold">
+                                          <p:stCondLst>
+                                            <p:cond delay="0"/>
+                                          </p:stCondLst>
+                                        </p:cTn>
+                                        <p:tgtEl>
+                                          <p:spTgt spid="8"/>
+                                        </p:tgtEl>
                                         <p:attrNameLst>
-                                          <p:attrName>fill.type</p:attrName>
+                                          <p:attrName>style.visibility</p:attrName>
                                         </p:attrNameLst>
                                       </p:cBhvr>
                                       <p:to>
-                                        <p:strVal val="solid"/>
+                                        <p:strVal val="visible"/>
                                       </p:to>
                                     </p:set>
+                                    <p:animEffect transition="in" filter="fade">
+                                      <p:cBhvr>
+                                        <p:cTn id="10" dur="500"/>
+                                        <p:tgtEl>
+                                          <p:spTgt spid="8"/>
+                                        </p:tgtEl>
+                                      </p:cBhvr>
+                                    </p:animEffect>
+                                  </p:childTnLst>
+                                </p:cTn>
+                              </p:par>
+                            </p:childTnLst>
+                          </p:cTn>
+                        </p:par>
+                      </p:childTnLst>
+                    </p:cTn>
+                  </p:par>
+                  <p:par>
+                    <p:cTn id="11" fill="hold">
+                      <p:stCondLst>
+                        <p:cond delay="indefinite"/>
+                      </p:stCondLst>
+                      <p:childTnLst>
+                        <p:par>
+                          <p:cTn id="12" fill="hold">
+                            <p:stCondLst>
+                              <p:cond delay="0"/>
+                            </p:stCondLst>
+                            <p:childTnLst>
+                              <p:par>
+                                <p:cTn id="13" presetID="1" presetClass="entr" presetSubtype="0" fill="hold" nodeType="clickEffect">
+                                  <p:stCondLst>
+                                    <p:cond delay="0"/>
+                                  </p:stCondLst>
+                                  <p:childTnLst>
                                     <p:set>
                                       <p:cBhvr>
-                                        <p:cTn id="8" dur="2000" fill="hold"/>
+                                        <p:cTn id="14" dur="1" fill="hold">
+                                          <p:stCondLst>
+                                            <p:cond delay="0"/>
+                                          </p:stCondLst>
+                                        </p:cTn>
                                         <p:tgtEl>
-                                          <p:spTgt spid="9"/>
+                                          <p:spTgt spid="15"/>
                                         </p:tgtEl>
                                         <p:attrNameLst>
-                                          <p:attrName>fill.on</p:attrName>
+                                          <p:attrName>style.visibility</p:attrName>
                                         </p:attrNameLst>
                                       </p:cBhvr>
                                       <p:to>
-                                        <p:strVal val="true"/>
+                                        <p:strVal val="visible"/>
                                       </p:to>
                                     </p:set>
                                   </p:childTnLst>
                                 </p:cTn>
                               </p:par>
                               <p:par>
-                                <p:cTn id="9" presetID="1" presetClass="emph" presetSubtype="2" fill="hold" nodeType="withEffect">
+                                <p:cTn id="15" presetID="1" presetClass="entr" presetSubtype="0" fill="hold" grpId="0" nodeType="withEffect">
                                   <p:stCondLst>
                                     <p:cond delay="0"/>
                                   </p:stCondLst>
                                   <p:childTnLst>
-                                    <p:animClr clrSpc="rgb" dir="cw">
+                                    <p:set>
                                       <p:cBhvr>
-                                        <p:cTn id="10" dur="2000" fill="hold"/>
+                                        <p:cTn id="16" dur="1" fill="hold">
+                                          <p:stCondLst>
+                                            <p:cond delay="0"/>
+                                          </p:stCondLst>
+                                        </p:cTn>
                                         <p:tgtEl>
-                                          <p:spTgt spid="8"/>
+                                          <p:spTgt spid="22"/>
                                         </p:tgtEl>
                                         <p:attrNameLst>
-                                          <p:attrName>fillcolor</p:attrName>
+                                          <p:attrName>style.visibility</p:attrName>
                                         </p:attrNameLst>
                                       </p:cBhvr>
                                       <p:to>
-                                        <a:srgbClr val="1CD89E"/>
+                                        <p:strVal val="visible"/>
                                       </p:to>
-                                    </p:animClr>
+                                    </p:set>
+                                  </p:childTnLst>
+                                </p:cTn>
+                              </p:par>
+                            </p:childTnLst>
+                          </p:cTn>
+                        </p:par>
+                      </p:childTnLst>
+                    </p:cTn>
+                  </p:par>
+                  <p:par>
+                    <p:cTn id="17" fill="hold">
+                      <p:stCondLst>
+                        <p:cond delay="indefinite"/>
+                      </p:stCondLst>
+                      <p:childTnLst>
+                        <p:par>
+                          <p:cTn id="18" fill="hold">
+                            <p:stCondLst>
+                              <p:cond delay="0"/>
+                            </p:stCondLst>
+                            <p:childTnLst>
+                              <p:par>
+                                <p:cTn id="19" presetID="1" presetClass="entr" presetSubtype="0" fill="hold" grpId="0" nodeType="clickEffect">
+                                  <p:stCondLst>
+                                    <p:cond delay="0"/>
+                                  </p:stCondLst>
+                                  <p:childTnLst>
                                     <p:set>
                                       <p:cBhvr>
-                                        <p:cTn id="11" dur="2000" fill="hold"/>
+                                        <p:cTn id="20" dur="1" fill="hold">
+                                          <p:stCondLst>
+                                            <p:cond delay="0"/>
+                                          </p:stCondLst>
+                                        </p:cTn>
                                         <p:tgtEl>
-                                          <p:spTgt spid="8"/>
+                                          <p:spTgt spid="24"/>
                                         </p:tgtEl>
                                         <p:attrNameLst>
-                                          <p:attrName>fill.type</p:attrName>
+                                          <p:attrName>style.visibility</p:attrName>
                                         </p:attrNameLst>
                                       </p:cBhvr>
                                       <p:to>
-                                        <p:strVal val="solid"/>
+                                        <p:strVal val="visible"/>
                                       </p:to>
                                     </p:set>
+                                  </p:childTnLst>
+                                </p:cTn>
+                              </p:par>
+                              <p:par>
+                                <p:cTn id="21" presetID="1" presetClass="entr" presetSubtype="0" fill="hold" nodeType="withEffect">
+                                  <p:stCondLst>
+                                    <p:cond delay="0"/>
+                                  </p:stCondLst>
+                                  <p:childTnLst>
                                     <p:set>
                                       <p:cBhvr>
-                                        <p:cTn id="12" dur="2000" fill="hold"/>
+                                        <p:cTn id="22" dur="1" fill="hold">
+                                          <p:stCondLst>
+                                            <p:cond delay="0"/>
+                                          </p:stCondLst>
+                                        </p:cTn>
                                         <p:tgtEl>
-                                          <p:spTgt spid="8"/>
+                                          <p:spTgt spid="21"/>
                                         </p:tgtEl>
                                         <p:attrNameLst>
-                                          <p:attrName>fill.on</p:attrName>
+                                          <p:attrName>style.visibility</p:attrName>
                                         </p:attrNameLst>
                                       </p:cBhvr>
                                       <p:to>
-                                        <p:strVal val="true"/>
+                                        <p:strVal val="visible"/>
                                       </p:to>
                                     </p:set>
+                                  </p:childTnLst>
+                                </p:cTn>
+                              </p:par>
+                            </p:childTnLst>
+                          </p:cTn>
+                        </p:par>
+                      </p:childTnLst>
+                    </p:cTn>
+                  </p:par>
+                  <p:par>
+                    <p:cTn id="23" fill="hold">
+                      <p:stCondLst>
+                        <p:cond delay="indefinite"/>
+                      </p:stCondLst>
+                      <p:childTnLst>
+                        <p:par>
+                          <p:cTn id="24" fill="hold">
+                            <p:stCondLst>
+                              <p:cond delay="0"/>
+                            </p:stCondLst>
+                            <p:childTnLst>
+                              <p:par>
+                                <p:cTn id="25" presetID="10" presetClass="entr" presetSubtype="0" fill="hold" nodeType="clickEffect">
+                                  <p:stCondLst>
+                                    <p:cond delay="0"/>
+                                  </p:stCondLst>
+                                  <p:childTnLst>
+                                    <p:set>
+                                      <p:cBhvr>
+                                        <p:cTn id="26" dur="1" fill="hold">
+                                          <p:stCondLst>
+                                            <p:cond delay="0"/>
+                                          </p:stCondLst>
+                                        </p:cTn>
+                                        <p:tgtEl>
+                                          <p:spTgt spid="27"/>
+                                        </p:tgtEl>
+                                        <p:attrNameLst>
+                                          <p:attrName>style.visibility</p:attrName>
+                                        </p:attrNameLst>
+                                      </p:cBhvr>
+                                      <p:to>
+                                        <p:strVal val="visible"/>
+                                      </p:to>
+                                    </p:set>
+                                    <p:animEffect transition="in" filter="fade">
+                                      <p:cBhvr>
+                                        <p:cTn id="27" dur="500"/>
+                                        <p:tgtEl>
+                                          <p:spTgt spid="27"/>
+                                        </p:tgtEl>
+                                      </p:cBhvr>
+                                    </p:animEffect>
+                                  </p:childTnLst>
+                                </p:cTn>
+                              </p:par>
+                              <p:par>
+                                <p:cTn id="28" presetID="10" presetClass="entr" presetSubtype="0" fill="hold" grpId="0" nodeType="withEffect">
+                                  <p:stCondLst>
+                                    <p:cond delay="0"/>
+                                  </p:stCondLst>
+                                  <p:childTnLst>
+                                    <p:set>
+                                      <p:cBhvr>
+                                        <p:cTn id="29" dur="1" fill="hold">
+                                          <p:stCondLst>
+                                            <p:cond delay="0"/>
+                                          </p:stCondLst>
+                                        </p:cTn>
+                                        <p:tgtEl>
+                                          <p:spTgt spid="28"/>
+                                        </p:tgtEl>
+                                        <p:attrNameLst>
+                                          <p:attrName>style.visibility</p:attrName>
+                                        </p:attrNameLst>
+                                      </p:cBhvr>
+                                      <p:to>
+                                        <p:strVal val="visible"/>
+                                      </p:to>
+                                    </p:set>
+                                    <p:animEffect transition="in" filter="fade">
+                                      <p:cBhvr>
+                                        <p:cTn id="30" dur="500"/>
+                                        <p:tgtEl>
+                                          <p:spTgt spid="28"/>
+                                        </p:tgtEl>
+                                      </p:cBhvr>
+                                    </p:animEffect>
+                                  </p:childTnLst>
+                                </p:cTn>
+                              </p:par>
+                            </p:childTnLst>
+                          </p:cTn>
+                        </p:par>
+                      </p:childTnLst>
+                    </p:cTn>
+                  </p:par>
+                  <p:par>
+                    <p:cTn id="31" fill="hold">
+                      <p:stCondLst>
+                        <p:cond delay="indefinite"/>
+                      </p:stCondLst>
+                      <p:childTnLst>
+                        <p:par>
+                          <p:cTn id="32" fill="hold">
+                            <p:stCondLst>
+                              <p:cond delay="0"/>
+                            </p:stCondLst>
+                            <p:childTnLst>
+                              <p:par>
+                                <p:cTn id="33" presetID="10" presetClass="entr" presetSubtype="0" fill="hold" nodeType="clickEffect">
+                                  <p:stCondLst>
+                                    <p:cond delay="0"/>
+                                  </p:stCondLst>
+                                  <p:childTnLst>
+                                    <p:set>
+                                      <p:cBhvr>
+                                        <p:cTn id="34" dur="1" fill="hold">
+                                          <p:stCondLst>
+                                            <p:cond delay="0"/>
+                                          </p:stCondLst>
+                                        </p:cTn>
+                                        <p:tgtEl>
+                                          <p:spTgt spid="34"/>
+                                        </p:tgtEl>
+                                        <p:attrNameLst>
+                                          <p:attrName>style.visibility</p:attrName>
+                                        </p:attrNameLst>
+                                      </p:cBhvr>
+                                      <p:to>
+                                        <p:strVal val="visible"/>
+                                      </p:to>
+                                    </p:set>
+                                    <p:animEffect transition="in" filter="fade">
+                                      <p:cBhvr>
+                                        <p:cTn id="35" dur="500"/>
+                                        <p:tgtEl>
+                                          <p:spTgt spid="34"/>
+                                        </p:tgtEl>
+                                      </p:cBhvr>
+                                    </p:animEffect>
+                                  </p:childTnLst>
+                                </p:cTn>
+                              </p:par>
+                              <p:par>
+                                <p:cTn id="36" presetID="10" presetClass="entr" presetSubtype="0" fill="hold" grpId="0" nodeType="withEffect">
+                                  <p:stCondLst>
+                                    <p:cond delay="0"/>
+                                  </p:stCondLst>
+                                  <p:childTnLst>
+                                    <p:set>
+                                      <p:cBhvr>
+                                        <p:cTn id="37" dur="1" fill="hold">
+                                          <p:stCondLst>
+                                            <p:cond delay="0"/>
+                                          </p:stCondLst>
+                                        </p:cTn>
+                                        <p:tgtEl>
+                                          <p:spTgt spid="31"/>
+                                        </p:tgtEl>
+                                        <p:attrNameLst>
+                                          <p:attrName>style.visibility</p:attrName>
+                                        </p:attrNameLst>
+                                      </p:cBhvr>
+                                      <p:to>
+                                        <p:strVal val="visible"/>
+                                      </p:to>
+                                    </p:set>
+                                    <p:animEffect transition="in" filter="fade">
+                                      <p:cBhvr>
+                                        <p:cTn id="38" dur="500"/>
+                                        <p:tgtEl>
+                                          <p:spTgt spid="31"/>
+                                        </p:tgtEl>
+                                      </p:cBhvr>
+                                    </p:animEffect>
+                                  </p:childTnLst>
+                                </p:cTn>
+                              </p:par>
+                            </p:childTnLst>
+                          </p:cTn>
+                        </p:par>
+                      </p:childTnLst>
+                    </p:cTn>
+                  </p:par>
+                  <p:par>
+                    <p:cTn id="39" fill="hold">
+                      <p:stCondLst>
+                        <p:cond delay="indefinite"/>
+                      </p:stCondLst>
+                      <p:childTnLst>
+                        <p:par>
+                          <p:cTn id="40" fill="hold">
+                            <p:stCondLst>
+                              <p:cond delay="0"/>
+                            </p:stCondLst>
+                            <p:childTnLst>
+                              <p:par>
+                                <p:cTn id="41" presetID="10" presetClass="entr" presetSubtype="0" fill="hold" nodeType="clickEffect">
+                                  <p:stCondLst>
+                                    <p:cond delay="0"/>
+                                  </p:stCondLst>
+                                  <p:childTnLst>
+                                    <p:set>
+                                      <p:cBhvr>
+                                        <p:cTn id="42" dur="1" fill="hold">
+                                          <p:stCondLst>
+                                            <p:cond delay="0"/>
+                                          </p:stCondLst>
+                                        </p:cTn>
+                                        <p:tgtEl>
+                                          <p:spTgt spid="30"/>
+                                        </p:tgtEl>
+                                        <p:attrNameLst>
+                                          <p:attrName>style.visibility</p:attrName>
+                                        </p:attrNameLst>
+                                      </p:cBhvr>
+                                      <p:to>
+                                        <p:strVal val="visible"/>
+                                      </p:to>
+                                    </p:set>
+                                    <p:animEffect transition="in" filter="fade">
+                                      <p:cBhvr>
+                                        <p:cTn id="43" dur="500"/>
+                                        <p:tgtEl>
+                                          <p:spTgt spid="30"/>
+                                        </p:tgtEl>
+                                      </p:cBhvr>
+                                    </p:animEffect>
+                                  </p:childTnLst>
+                                </p:cTn>
+                              </p:par>
+                              <p:par>
+                                <p:cTn id="44" presetID="10" presetClass="entr" presetSubtype="0" fill="hold" grpId="0" nodeType="withEffect">
+                                  <p:stCondLst>
+                                    <p:cond delay="0"/>
+                                  </p:stCondLst>
+                                  <p:childTnLst>
+                                    <p:set>
+                                      <p:cBhvr>
+                                        <p:cTn id="45" dur="1" fill="hold">
+                                          <p:stCondLst>
+                                            <p:cond delay="0"/>
+                                          </p:stCondLst>
+                                        </p:cTn>
+                                        <p:tgtEl>
+                                          <p:spTgt spid="32"/>
+                                        </p:tgtEl>
+                                        <p:attrNameLst>
+                                          <p:attrName>style.visibility</p:attrName>
+                                        </p:attrNameLst>
+                                      </p:cBhvr>
+                                      <p:to>
+                                        <p:strVal val="visible"/>
+                                      </p:to>
+                                    </p:set>
+                                    <p:animEffect transition="in" filter="fade">
+                                      <p:cBhvr>
+                                        <p:cTn id="46" dur="500"/>
+                                        <p:tgtEl>
+                                          <p:spTgt spid="32"/>
+                                        </p:tgtEl>
+                                      </p:cBhvr>
+                                    </p:animEffect>
                                   </p:childTnLst>
                                 </p:cTn>
                               </p:par>
@@ -28012,6 +28436,14 @@
         </p:cTn>
       </p:par>
     </p:tnLst>
+    <p:bldLst>
+      <p:bldP spid="9" grpId="0" animBg="1"/>
+      <p:bldP spid="22" grpId="0" animBg="1"/>
+      <p:bldP spid="24" grpId="0" animBg="1"/>
+      <p:bldP spid="28" grpId="0" animBg="1"/>
+      <p:bldP spid="31" grpId="0" animBg="1"/>
+      <p:bldP spid="32" grpId="0" animBg="1"/>
+    </p:bldLst>
   </p:timing>
 </p:sld>
 </file>
@@ -28146,19 +28578,7 @@
             </a:endParaRPr>
           </a:p>
           <a:p>
-            <a:pPr marL="800100" lvl="0" indent="-342900">
-              <a:buFont typeface="Wingdings" panose="05000000000000000000" pitchFamily="2" charset="2"/>
-              <a:buChar char="v"/>
-            </a:pPr>
-            <a:r>
-              <a:rPr lang="en-US" dirty="0">
-                <a:latin typeface="Constantia" panose="02030602050306030303" pitchFamily="18" charset="0"/>
-              </a:rPr>
-              <a:t>Tài nguyên hạn chế</a:t>
-            </a:r>
-          </a:p>
-          <a:p>
-            <a:pPr marL="800100" lvl="0" indent="-342900">
+            <a:pPr marL="800100" indent="-342900">
               <a:buFont typeface="Wingdings" panose="05000000000000000000" pitchFamily="2" charset="2"/>
               <a:buChar char="v"/>
             </a:pPr>
@@ -28195,6 +28615,18 @@
             <a:endParaRPr lang="en-US" dirty="0">
               <a:latin typeface="Constantia" panose="02030602050306030303" pitchFamily="18" charset="0"/>
             </a:endParaRPr>
+          </a:p>
+          <a:p>
+            <a:pPr marL="800100" indent="-342900">
+              <a:buFont typeface="Wingdings" panose="05000000000000000000" pitchFamily="2" charset="2"/>
+              <a:buChar char="v"/>
+            </a:pPr>
+            <a:r>
+              <a:rPr lang="en-US" dirty="0">
+                <a:latin typeface="Constantia" panose="02030602050306030303" pitchFamily="18" charset="0"/>
+              </a:rPr>
+              <a:t>Tài nguyên hạn chế</a:t>
+            </a:r>
           </a:p>
           <a:p>
             <a:pPr marL="800100" lvl="0" indent="-342900">
@@ -28332,9 +28764,41 @@
               </a:rPr>
               <a:t>.</a:t>
             </a:r>
-            <a:endParaRPr lang="en" dirty="0">
-              <a:latin typeface="Constantia" panose="02030602050306030303" pitchFamily="18" charset="0"/>
-            </a:endParaRPr>
+          </a:p>
+          <a:p>
+            <a:pPr marL="457200" indent="-228600"/>
+            <a:r>
+              <a:rPr lang="en-US" dirty="0">
+                <a:latin typeface="Constantia" panose="02030602050306030303" pitchFamily="18" charset="0"/>
+              </a:rPr>
+              <a:t>Các cổng vào ra: </a:t>
+            </a:r>
+            <a:r>
+              <a:rPr lang="en-US" dirty="0">
+                <a:latin typeface="Times New Roman" panose="02020603050405020304" pitchFamily="18" charset="0"/>
+                <a:cs typeface="Times New Roman" panose="02020603050405020304" pitchFamily="18" charset="0"/>
+              </a:rPr>
+              <a:t>14</a:t>
+            </a:r>
+            <a:r>
+              <a:rPr lang="en-US" dirty="0">
+                <a:latin typeface="Constantia" panose="02030602050306030303" pitchFamily="18" charset="0"/>
+              </a:rPr>
+              <a:t> chân Digital và </a:t>
+            </a:r>
+            <a:r>
+              <a:rPr lang="en-US" dirty="0">
+                <a:latin typeface="Times New Roman" panose="02020603050405020304" pitchFamily="18" charset="0"/>
+                <a:cs typeface="Times New Roman" panose="02020603050405020304" pitchFamily="18" charset="0"/>
+              </a:rPr>
+              <a:t>6</a:t>
+            </a:r>
+            <a:r>
+              <a:rPr lang="en-US" dirty="0">
+                <a:latin typeface="Constantia" panose="02030602050306030303" pitchFamily="18" charset="0"/>
+              </a:rPr>
+              <a:t> chân Analog</a:t>
+            </a:r>
           </a:p>
           <a:p>
             <a:pPr marL="457200" lvl="0" indent="-228600"/>
@@ -28381,41 +28845,6 @@
                 <a:latin typeface="Constantia" panose="02030602050306030303" pitchFamily="18" charset="0"/>
               </a:rPr>
               <a:t>V.</a:t>
-            </a:r>
-          </a:p>
-          <a:p>
-            <a:pPr marL="457200" lvl="0" indent="-228600"/>
-            <a:r>
-              <a:rPr lang="en-US" dirty="0">
-                <a:latin typeface="Constantia" panose="02030602050306030303" pitchFamily="18" charset="0"/>
-              </a:rPr>
-              <a:t>Các cổng vào ra: </a:t>
-            </a:r>
-            <a:r>
-              <a:rPr lang="en-US" dirty="0">
-                <a:latin typeface="Times New Roman" panose="02020603050405020304" pitchFamily="18" charset="0"/>
-                <a:cs typeface="Times New Roman" panose="02020603050405020304" pitchFamily="18" charset="0"/>
-              </a:rPr>
-              <a:t>14</a:t>
-            </a:r>
-            <a:r>
-              <a:rPr lang="en-US" dirty="0">
-                <a:latin typeface="Constantia" panose="02030602050306030303" pitchFamily="18" charset="0"/>
-              </a:rPr>
-              <a:t> chân Digital và </a:t>
-            </a:r>
-            <a:r>
-              <a:rPr lang="en-US" dirty="0">
-                <a:latin typeface="Times New Roman" panose="02020603050405020304" pitchFamily="18" charset="0"/>
-                <a:cs typeface="Times New Roman" panose="02020603050405020304" pitchFamily="18" charset="0"/>
-              </a:rPr>
-              <a:t>6</a:t>
-            </a:r>
-            <a:r>
-              <a:rPr lang="en-US" dirty="0">
-                <a:latin typeface="Constantia" panose="02030602050306030303" pitchFamily="18" charset="0"/>
-              </a:rPr>
-              <a:t> chân Analog</a:t>
             </a:r>
           </a:p>
           <a:p>
